--- a/screenshots/Presentation.pptx
+++ b/screenshots/Presentation.pptx
@@ -117,6 +117,11 @@
       </a:defRPr>
     </a:lvl9pPr>
   </p:defaultTextStyle>
+  <p:extLst>
+    <p:ext uri="{EFAFB233-063F-42B5-8137-9DF3F51BA10A}">
+      <p15:sldGuideLst xmlns:p15="http://schemas.microsoft.com/office/powerpoint/2012/main"/>
+    </p:ext>
+  </p:extLst>
 </p:presentation>
 </file>
 
@@ -309,7 +314,7 @@
             <a:fld id="{B61BEF0D-F0BB-DE4B-95CE-6DB70DBA9567}" type="datetimeFigureOut">
               <a:rPr lang="en-US" dirty="0"/>
               <a:pPr/>
-              <a:t>1/20/2025</a:t>
+              <a:t>1/21/2025</a:t>
             </a:fld>
             <a:endParaRPr lang="en-US" dirty="0"/>
           </a:p>
@@ -644,7 +649,7 @@
             <a:fld id="{B61BEF0D-F0BB-DE4B-95CE-6DB70DBA9567}" type="datetimeFigureOut">
               <a:rPr lang="en-US" dirty="0"/>
               <a:pPr/>
-              <a:t>1/20/2025</a:t>
+              <a:t>1/21/2025</a:t>
             </a:fld>
             <a:endParaRPr lang="en-US" dirty="0"/>
           </a:p>
@@ -1042,7 +1047,7 @@
             <a:fld id="{B61BEF0D-F0BB-DE4B-95CE-6DB70DBA9567}" type="datetimeFigureOut">
               <a:rPr lang="en-US" dirty="0"/>
               <a:pPr/>
-              <a:t>1/20/2025</a:t>
+              <a:t>1/21/2025</a:t>
             </a:fld>
             <a:endParaRPr lang="en-US" dirty="0"/>
           </a:p>
@@ -1375,7 +1380,7 @@
             <a:fld id="{B61BEF0D-F0BB-DE4B-95CE-6DB70DBA9567}" type="datetimeFigureOut">
               <a:rPr lang="en-US" dirty="0"/>
               <a:pPr/>
-              <a:t>1/20/2025</a:t>
+              <a:t>1/21/2025</a:t>
             </a:fld>
             <a:endParaRPr lang="en-US" dirty="0"/>
           </a:p>
@@ -1692,7 +1697,7 @@
             <a:fld id="{B61BEF0D-F0BB-DE4B-95CE-6DB70DBA9567}" type="datetimeFigureOut">
               <a:rPr lang="en-US" dirty="0"/>
               <a:pPr/>
-              <a:t>1/20/2025</a:t>
+              <a:t>1/21/2025</a:t>
             </a:fld>
             <a:endParaRPr lang="en-US" dirty="0"/>
           </a:p>
@@ -2085,7 +2090,7 @@
             <a:fld id="{B61BEF0D-F0BB-DE4B-95CE-6DB70DBA9567}" type="datetimeFigureOut">
               <a:rPr lang="en-US" dirty="0"/>
               <a:pPr/>
-              <a:t>1/20/2025</a:t>
+              <a:t>1/21/2025</a:t>
             </a:fld>
             <a:endParaRPr lang="en-US" dirty="0"/>
           </a:p>
@@ -2339,7 +2344,7 @@
             <a:fld id="{B61BEF0D-F0BB-DE4B-95CE-6DB70DBA9567}" type="datetimeFigureOut">
               <a:rPr lang="en-US" dirty="0"/>
               <a:pPr/>
-              <a:t>1/20/2025</a:t>
+              <a:t>1/21/2025</a:t>
             </a:fld>
             <a:endParaRPr lang="en-US" dirty="0"/>
           </a:p>
@@ -2598,7 +2603,7 @@
             <a:fld id="{B61BEF0D-F0BB-DE4B-95CE-6DB70DBA9567}" type="datetimeFigureOut">
               <a:rPr lang="en-US" dirty="0"/>
               <a:pPr/>
-              <a:t>1/20/2025</a:t>
+              <a:t>1/21/2025</a:t>
             </a:fld>
             <a:endParaRPr lang="en-US" dirty="0"/>
           </a:p>
@@ -2857,7 +2862,7 @@
             <a:fld id="{B61BEF0D-F0BB-DE4B-95CE-6DB70DBA9567}" type="datetimeFigureOut">
               <a:rPr lang="en-US" dirty="0"/>
               <a:pPr/>
-              <a:t>1/20/2025</a:t>
+              <a:t>1/21/2025</a:t>
             </a:fld>
             <a:endParaRPr lang="en-US" dirty="0"/>
           </a:p>
@@ -3183,7 +3188,7 @@
             <a:fld id="{B61BEF0D-F0BB-DE4B-95CE-6DB70DBA9567}" type="datetimeFigureOut">
               <a:rPr lang="en-US" dirty="0"/>
               <a:pPr/>
-              <a:t>1/20/2025</a:t>
+              <a:t>1/21/2025</a:t>
             </a:fld>
             <a:endParaRPr lang="en-US" dirty="0"/>
           </a:p>
@@ -3503,7 +3508,7 @@
             <a:fld id="{B61BEF0D-F0BB-DE4B-95CE-6DB70DBA9567}" type="datetimeFigureOut">
               <a:rPr lang="en-US" dirty="0"/>
               <a:pPr/>
-              <a:t>1/20/2025</a:t>
+              <a:t>1/21/2025</a:t>
             </a:fld>
             <a:endParaRPr lang="en-US" dirty="0"/>
           </a:p>
@@ -3957,7 +3962,7 @@
             <a:fld id="{B61BEF0D-F0BB-DE4B-95CE-6DB70DBA9567}" type="datetimeFigureOut">
               <a:rPr lang="en-US" dirty="0"/>
               <a:pPr/>
-              <a:t>1/20/2025</a:t>
+              <a:t>1/21/2025</a:t>
             </a:fld>
             <a:endParaRPr lang="en-US" dirty="0"/>
           </a:p>
@@ -4159,7 +4164,7 @@
             <a:fld id="{B61BEF0D-F0BB-DE4B-95CE-6DB70DBA9567}" type="datetimeFigureOut">
               <a:rPr lang="en-US" dirty="0"/>
               <a:pPr/>
-              <a:t>1/20/2025</a:t>
+              <a:t>1/21/2025</a:t>
             </a:fld>
             <a:endParaRPr lang="en-US" dirty="0"/>
           </a:p>
@@ -4333,7 +4338,7 @@
             <a:fld id="{B61BEF0D-F0BB-DE4B-95CE-6DB70DBA9567}" type="datetimeFigureOut">
               <a:rPr lang="en-US" dirty="0"/>
               <a:pPr/>
-              <a:t>1/20/2025</a:t>
+              <a:t>1/21/2025</a:t>
             </a:fld>
             <a:endParaRPr lang="en-US" dirty="0"/>
           </a:p>
@@ -4663,7 +4668,7 @@
             <a:fld id="{B61BEF0D-F0BB-DE4B-95CE-6DB70DBA9567}" type="datetimeFigureOut">
               <a:rPr lang="en-US" dirty="0"/>
               <a:pPr/>
-              <a:t>1/20/2025</a:t>
+              <a:t>1/21/2025</a:t>
             </a:fld>
             <a:endParaRPr lang="en-US" dirty="0"/>
           </a:p>
@@ -5005,7 +5010,7 @@
             <a:fld id="{B61BEF0D-F0BB-DE4B-95CE-6DB70DBA9567}" type="datetimeFigureOut">
               <a:rPr lang="en-US" dirty="0"/>
               <a:pPr/>
-              <a:t>1/20/2025</a:t>
+              <a:t>1/21/2025</a:t>
             </a:fld>
             <a:endParaRPr lang="en-US" dirty="0"/>
           </a:p>
@@ -7119,7 +7124,7 @@
             <a:fld id="{B61BEF0D-F0BB-DE4B-95CE-6DB70DBA9567}" type="datetimeFigureOut">
               <a:rPr lang="en-US" dirty="0"/>
               <a:pPr/>
-              <a:t>1/20/2025</a:t>
+              <a:t>1/21/2025</a:t>
             </a:fld>
             <a:endParaRPr lang="en-US" dirty="0"/>
           </a:p>
@@ -7721,9 +7726,39 @@
           <a:chExt cx="0" cy="0"/>
         </a:xfrm>
       </p:grpSpPr>
+      <p:sp>
+        <p:nvSpPr>
+          <p:cNvPr id="3" name="ZoneTexte 2"/>
+          <p:cNvSpPr txBox="1"/>
+          <p:nvPr/>
+        </p:nvSpPr>
+        <p:spPr>
+          <a:xfrm>
+            <a:off x="4151376" y="466344"/>
+            <a:ext cx="4240263" cy="461665"/>
+          </a:xfrm>
+          <a:prstGeom prst="rect">
+            <a:avLst/>
+          </a:prstGeom>
+          <a:noFill/>
+        </p:spPr>
+        <p:txBody>
+          <a:bodyPr wrap="none" rtlCol="0">
+            <a:spAutoFit/>
+          </a:bodyPr>
+          <a:lstStyle/>
+          <a:p>
+            <a:r>
+              <a:rPr lang="fr-FR" sz="2400" dirty="0" smtClean="0"/>
+              <a:t>Test d’intégration: exemple</a:t>
+            </a:r>
+            <a:endParaRPr lang="fr-FR" sz="2400" dirty="0"/>
+          </a:p>
+        </p:txBody>
+      </p:sp>
       <p:pic>
         <p:nvPicPr>
-          <p:cNvPr id="2" name="Image 1"/>
+          <p:cNvPr id="4" name="Image 3"/>
           <p:cNvPicPr>
             <a:picLocks noChangeAspect="1"/>
           </p:cNvPicPr>
@@ -7743,44 +7778,14 @@
         </p:blipFill>
         <p:spPr>
           <a:xfrm>
-            <a:off x="1975104" y="977328"/>
-            <a:ext cx="9884534" cy="5880672"/>
+            <a:off x="1837944" y="1029488"/>
+            <a:ext cx="9820292" cy="5645632"/>
           </a:xfrm>
           <a:prstGeom prst="rect">
             <a:avLst/>
           </a:prstGeom>
         </p:spPr>
       </p:pic>
-      <p:sp>
-        <p:nvSpPr>
-          <p:cNvPr id="3" name="ZoneTexte 2"/>
-          <p:cNvSpPr txBox="1"/>
-          <p:nvPr/>
-        </p:nvSpPr>
-        <p:spPr>
-          <a:xfrm>
-            <a:off x="4151376" y="466344"/>
-            <a:ext cx="4240263" cy="461665"/>
-          </a:xfrm>
-          <a:prstGeom prst="rect">
-            <a:avLst/>
-          </a:prstGeom>
-          <a:noFill/>
-        </p:spPr>
-        <p:txBody>
-          <a:bodyPr wrap="none" rtlCol="0">
-            <a:spAutoFit/>
-          </a:bodyPr>
-          <a:lstStyle/>
-          <a:p>
-            <a:r>
-              <a:rPr lang="fr-FR" sz="2400" dirty="0" smtClean="0"/>
-              <a:t>Test d’intégration: exemple</a:t>
-            </a:r>
-            <a:endParaRPr lang="fr-FR" sz="2400" dirty="0"/>
-          </a:p>
-        </p:txBody>
-      </p:sp>
     </p:spTree>
     <p:extLst>
       <p:ext uri="{BB962C8B-B14F-4D97-AF65-F5344CB8AC3E}">
